--- a/python_workshop.pptx
+++ b/python_workshop.pptx
@@ -5,7 +5,7 @@
     <p:sldMasterId id="2147483648" r:id="rId1"/>
   </p:sldMasterIdLst>
   <p:notesMasterIdLst>
-    <p:notesMasterId r:id="rId37"/>
+    <p:notesMasterId r:id="rId36"/>
   </p:notesMasterIdLst>
   <p:sldIdLst>
     <p:sldId id="256" r:id="rId2"/>
@@ -29,20 +29,19 @@
     <p:sldId id="276" r:id="rId20"/>
     <p:sldId id="277" r:id="rId21"/>
     <p:sldId id="303" r:id="rId22"/>
-    <p:sldId id="304" r:id="rId23"/>
-    <p:sldId id="278" r:id="rId24"/>
-    <p:sldId id="300" r:id="rId25"/>
-    <p:sldId id="279" r:id="rId26"/>
-    <p:sldId id="297" r:id="rId27"/>
-    <p:sldId id="283" r:id="rId28"/>
-    <p:sldId id="301" r:id="rId29"/>
-    <p:sldId id="302" r:id="rId30"/>
-    <p:sldId id="280" r:id="rId31"/>
-    <p:sldId id="284" r:id="rId32"/>
-    <p:sldId id="281" r:id="rId33"/>
-    <p:sldId id="285" r:id="rId34"/>
-    <p:sldId id="286" r:id="rId35"/>
-    <p:sldId id="287" r:id="rId36"/>
+    <p:sldId id="278" r:id="rId23"/>
+    <p:sldId id="300" r:id="rId24"/>
+    <p:sldId id="279" r:id="rId25"/>
+    <p:sldId id="297" r:id="rId26"/>
+    <p:sldId id="283" r:id="rId27"/>
+    <p:sldId id="301" r:id="rId28"/>
+    <p:sldId id="302" r:id="rId29"/>
+    <p:sldId id="280" r:id="rId30"/>
+    <p:sldId id="284" r:id="rId31"/>
+    <p:sldId id="281" r:id="rId32"/>
+    <p:sldId id="285" r:id="rId33"/>
+    <p:sldId id="286" r:id="rId34"/>
+    <p:sldId id="287" r:id="rId35"/>
   </p:sldIdLst>
   <p:sldSz cx="12192000" cy="6858000"/>
   <p:notesSz cx="6858000" cy="9144000"/>
@@ -6230,15 +6229,7 @@
             </a:pPr>
             <a:r>
               <a:rPr lang="en-US" dirty="0"/>
-              <a:t>Write some basic code and run </a:t>
-            </a:r>
-            <a:r>
-              <a:rPr lang="en-US"/>
-              <a:t>the file to </a:t>
-            </a:r>
-            <a:r>
-              <a:rPr lang="en-US" dirty="0"/>
-              <a:t>make sure it works</a:t>
+              <a:t>Write some basic code and run the file to make sure it works</a:t>
             </a:r>
           </a:p>
         </p:txBody>
@@ -6336,7 +6327,7 @@
           <p:cNvPr id="2" name="Title 1">
             <a:extLst>
               <a:ext uri="{FF2B5EF4-FFF2-40B4-BE49-F238E27FC236}">
-                <a16:creationId xmlns:a16="http://schemas.microsoft.com/office/drawing/2014/main" id="{68A82944-8218-394B-9C97-E0F07C9624A5}"/>
+                <a16:creationId xmlns:a16="http://schemas.microsoft.com/office/drawing/2014/main" id="{E51A2A27-1959-0D40-AA0F-1CD565609BD1}"/>
               </a:ext>
             </a:extLst>
           </p:cNvPr>
@@ -6352,32 +6343,46 @@
           <a:bodyPr/>
           <a:lstStyle/>
           <a:p>
-            <a:endParaRPr lang="en-US" dirty="0"/>
-          </a:p>
-        </p:txBody>
-      </p:sp>
-      <p:sp>
-        <p:nvSpPr>
-          <p:cNvPr id="3" name="Content Placeholder 2">
-            <a:extLst>
-              <a:ext uri="{FF2B5EF4-FFF2-40B4-BE49-F238E27FC236}">
-                <a16:creationId xmlns:a16="http://schemas.microsoft.com/office/drawing/2014/main" id="{F5A48DE1-A592-0341-BB4D-1E1791494848}"/>
-              </a:ext>
-            </a:extLst>
-          </p:cNvPr>
-          <p:cNvSpPr>
-            <a:spLocks noGrp="1"/>
-          </p:cNvSpPr>
-          <p:nvPr>
-            <p:ph idx="1"/>
-          </p:nvPr>
-        </p:nvSpPr>
-        <p:spPr/>
-        <p:txBody>
-          <a:bodyPr/>
-          <a:lstStyle/>
-          <a:p>
-            <a:endParaRPr lang="en-US"/>
+            <a:r>
+              <a:rPr lang="en-US" dirty="0"/>
+              <a:t>Session 2: Basics of Python</a:t>
+            </a:r>
+          </a:p>
+        </p:txBody>
+      </p:sp>
+      <p:sp>
+        <p:nvSpPr>
+          <p:cNvPr id="3" name="Text Placeholder 2">
+            <a:extLst>
+              <a:ext uri="{FF2B5EF4-FFF2-40B4-BE49-F238E27FC236}">
+                <a16:creationId xmlns:a16="http://schemas.microsoft.com/office/drawing/2014/main" id="{9B81E97A-87D2-F141-970A-9774912C4386}"/>
+              </a:ext>
+            </a:extLst>
+          </p:cNvPr>
+          <p:cNvSpPr>
+            <a:spLocks noGrp="1"/>
+          </p:cNvSpPr>
+          <p:nvPr>
+            <p:ph type="body" idx="1"/>
+          </p:nvPr>
+        </p:nvSpPr>
+        <p:spPr/>
+        <p:txBody>
+          <a:bodyPr>
+            <a:normAutofit/>
+          </a:bodyPr>
+          <a:lstStyle/>
+          <a:p>
+            <a:r>
+              <a:rPr lang="en-US" sz="4000" dirty="0">
+                <a:hlinkClick r:id="rId2"/>
+              </a:rPr>
+              <a:t>https://bit.ly/2LW6xvo</a:t>
+            </a:r>
+            <a:r>
+              <a:rPr lang="en-US" sz="4000" dirty="0"/>
+              <a:t> </a:t>
+            </a:r>
           </a:p>
         </p:txBody>
       </p:sp>
@@ -6386,7 +6391,7 @@
           <p:cNvPr id="4" name="Date Placeholder 3">
             <a:extLst>
               <a:ext uri="{FF2B5EF4-FFF2-40B4-BE49-F238E27FC236}">
-                <a16:creationId xmlns:a16="http://schemas.microsoft.com/office/drawing/2014/main" id="{4DA9DACD-5B1F-D84C-BDA0-E8671CF26973}"/>
+                <a16:creationId xmlns:a16="http://schemas.microsoft.com/office/drawing/2014/main" id="{C6B1D252-5692-6541-BEC0-9E59E9D2D810}"/>
               </a:ext>
             </a:extLst>
           </p:cNvPr>
@@ -6402,7 +6407,7 @@
           <a:bodyPr/>
           <a:lstStyle/>
           <a:p>
-            <a:fld id="{A684783B-B01E-714B-B120-7BE1BF4001F6}" type="datetime1">
+            <a:fld id="{DDD8144A-2374-A545-83AD-B84C478DF015}" type="datetime1">
               <a:rPr lang="en-US" smtClean="0"/>
               <a:t>7/15/19</a:t>
             </a:fld>
@@ -6415,7 +6420,7 @@
           <p:cNvPr id="5" name="Slide Number Placeholder 4">
             <a:extLst>
               <a:ext uri="{FF2B5EF4-FFF2-40B4-BE49-F238E27FC236}">
-                <a16:creationId xmlns:a16="http://schemas.microsoft.com/office/drawing/2014/main" id="{69742E26-FB85-4244-A464-FAFB54AB7353}"/>
+                <a16:creationId xmlns:a16="http://schemas.microsoft.com/office/drawing/2014/main" id="{4FECCC2E-7CD2-1748-BD43-007B01AE6C40}"/>
               </a:ext>
             </a:extLst>
           </p:cNvPr>
@@ -6442,7 +6447,7 @@
     </p:spTree>
     <p:extLst>
       <p:ext uri="{BB962C8B-B14F-4D97-AF65-F5344CB8AC3E}">
-        <p14:creationId xmlns:p14="http://schemas.microsoft.com/office/powerpoint/2010/main" val="3701765558"/>
+        <p14:creationId xmlns:p14="http://schemas.microsoft.com/office/powerpoint/2010/main" val="2324188402"/>
       </p:ext>
     </p:extLst>
   </p:cSld>
@@ -6492,7 +6497,7 @@
           <a:p>
             <a:r>
               <a:rPr lang="en-US" dirty="0"/>
-              <a:t>Session 2: Basics of Python</a:t>
+              <a:t>Interactive session</a:t>
             </a:r>
           </a:p>
         </p:txBody>
@@ -6543,7 +6548,7 @@
           <a:bodyPr/>
           <a:lstStyle/>
           <a:p>
-            <a:fld id="{DDD8144A-2374-A545-83AD-B84C478DF015}" type="datetime1">
+            <a:fld id="{76177A26-99CF-7944-9D94-F0EAC2D22BFC}" type="datetime1">
               <a:rPr lang="en-US" smtClean="0"/>
               <a:t>7/15/19</a:t>
             </a:fld>
@@ -6583,7 +6588,7 @@
     </p:spTree>
     <p:extLst>
       <p:ext uri="{BB962C8B-B14F-4D97-AF65-F5344CB8AC3E}">
-        <p14:creationId xmlns:p14="http://schemas.microsoft.com/office/powerpoint/2010/main" val="2324188402"/>
+        <p14:creationId xmlns:p14="http://schemas.microsoft.com/office/powerpoint/2010/main" val="1220940584"/>
       </p:ext>
     </p:extLst>
   </p:cSld>
@@ -6633,7 +6638,7 @@
           <a:p>
             <a:r>
               <a:rPr lang="en-US" dirty="0"/>
-              <a:t>Interactive session</a:t>
+              <a:t>Session 3: Object-Oriented Programming (OOP)</a:t>
             </a:r>
           </a:p>
         </p:txBody>
@@ -6684,7 +6689,7 @@
           <a:bodyPr/>
           <a:lstStyle/>
           <a:p>
-            <a:fld id="{76177A26-99CF-7944-9D94-F0EAC2D22BFC}" type="datetime1">
+            <a:fld id="{9BB6D07D-E1C9-2B41-A457-94C6C32379D9}" type="datetime1">
               <a:rPr lang="en-US" smtClean="0"/>
               <a:t>7/15/19</a:t>
             </a:fld>
@@ -6724,7 +6729,7 @@
     </p:spTree>
     <p:extLst>
       <p:ext uri="{BB962C8B-B14F-4D97-AF65-F5344CB8AC3E}">
-        <p14:creationId xmlns:p14="http://schemas.microsoft.com/office/powerpoint/2010/main" val="1220940584"/>
+        <p14:creationId xmlns:p14="http://schemas.microsoft.com/office/powerpoint/2010/main" val="179539820"/>
       </p:ext>
     </p:extLst>
   </p:cSld>
@@ -6756,7 +6761,7 @@
           <p:cNvPr id="2" name="Title 1">
             <a:extLst>
               <a:ext uri="{FF2B5EF4-FFF2-40B4-BE49-F238E27FC236}">
-                <a16:creationId xmlns:a16="http://schemas.microsoft.com/office/drawing/2014/main" id="{E51A2A27-1959-0D40-AA0F-1CD565609BD1}"/>
+                <a16:creationId xmlns:a16="http://schemas.microsoft.com/office/drawing/2014/main" id="{8C12EE53-CB01-5D49-8701-D8EF61E33031}"/>
               </a:ext>
             </a:extLst>
           </p:cNvPr>
@@ -6774,33 +6779,101 @@
           <a:p>
             <a:r>
               <a:rPr lang="en-US" dirty="0"/>
-              <a:t>Session 3: Object-Oriented Programming (OOP)</a:t>
-            </a:r>
-          </a:p>
-        </p:txBody>
-      </p:sp>
-      <p:sp>
-        <p:nvSpPr>
-          <p:cNvPr id="3" name="Text Placeholder 2">
-            <a:extLst>
-              <a:ext uri="{FF2B5EF4-FFF2-40B4-BE49-F238E27FC236}">
-                <a16:creationId xmlns:a16="http://schemas.microsoft.com/office/drawing/2014/main" id="{9B81E97A-87D2-F141-970A-9774912C4386}"/>
-              </a:ext>
-            </a:extLst>
-          </p:cNvPr>
-          <p:cNvSpPr>
-            <a:spLocks noGrp="1"/>
-          </p:cNvSpPr>
-          <p:nvPr>
-            <p:ph type="body" idx="1"/>
-          </p:nvPr>
-        </p:nvSpPr>
-        <p:spPr/>
-        <p:txBody>
-          <a:bodyPr/>
-          <a:lstStyle/>
-          <a:p>
-            <a:endParaRPr lang="en-US"/>
+              <a:t>Example: Facebook User</a:t>
+            </a:r>
+          </a:p>
+        </p:txBody>
+      </p:sp>
+      <p:sp>
+        <p:nvSpPr>
+          <p:cNvPr id="3" name="Content Placeholder 2">
+            <a:extLst>
+              <a:ext uri="{FF2B5EF4-FFF2-40B4-BE49-F238E27FC236}">
+                <a16:creationId xmlns:a16="http://schemas.microsoft.com/office/drawing/2014/main" id="{A01635F4-E96B-FF41-8997-F4A72B94EBB2}"/>
+              </a:ext>
+            </a:extLst>
+          </p:cNvPr>
+          <p:cNvSpPr>
+            <a:spLocks noGrp="1"/>
+          </p:cNvSpPr>
+          <p:nvPr>
+            <p:ph idx="1"/>
+          </p:nvPr>
+        </p:nvSpPr>
+        <p:spPr>
+          <a:xfrm>
+            <a:off x="838200" y="1825625"/>
+            <a:ext cx="10515600" cy="4351338"/>
+          </a:xfrm>
+        </p:spPr>
+        <p:txBody>
+          <a:bodyPr/>
+          <a:lstStyle/>
+          <a:p>
+            <a:r>
+              <a:rPr lang="en-US" dirty="0"/>
+              <a:t>A Facebook user has:</a:t>
+            </a:r>
+          </a:p>
+          <a:p>
+            <a:pPr marL="914400" lvl="1" indent="-457200">
+              <a:buFont typeface="+mj-lt"/>
+              <a:buAutoNum type="arabicPeriod"/>
+            </a:pPr>
+            <a:r>
+              <a:rPr lang="en-US" dirty="0"/>
+              <a:t>Email</a:t>
+            </a:r>
+          </a:p>
+          <a:p>
+            <a:pPr marL="914400" lvl="1" indent="-457200">
+              <a:buFont typeface="+mj-lt"/>
+              <a:buAutoNum type="arabicPeriod"/>
+            </a:pPr>
+            <a:r>
+              <a:rPr lang="en-US" dirty="0"/>
+              <a:t>Password</a:t>
+            </a:r>
+          </a:p>
+          <a:p>
+            <a:pPr marL="914400" lvl="1" indent="-457200">
+              <a:buFont typeface="+mj-lt"/>
+              <a:buAutoNum type="arabicPeriod"/>
+            </a:pPr>
+            <a:r>
+              <a:rPr lang="en-US" dirty="0"/>
+              <a:t>First name</a:t>
+            </a:r>
+          </a:p>
+          <a:p>
+            <a:pPr marL="914400" lvl="1" indent="-457200">
+              <a:buFont typeface="+mj-lt"/>
+              <a:buAutoNum type="arabicPeriod"/>
+            </a:pPr>
+            <a:r>
+              <a:rPr lang="en-US" dirty="0"/>
+              <a:t>Last name</a:t>
+            </a:r>
+          </a:p>
+          <a:p>
+            <a:pPr marL="914400" lvl="1" indent="-457200">
+              <a:buFont typeface="+mj-lt"/>
+              <a:buAutoNum type="arabicPeriod"/>
+            </a:pPr>
+            <a:r>
+              <a:rPr lang="en-US" dirty="0"/>
+              <a:t>Zero or more posts</a:t>
+            </a:r>
+          </a:p>
+          <a:p>
+            <a:pPr marL="914400" lvl="1" indent="-457200">
+              <a:buFont typeface="+mj-lt"/>
+              <a:buAutoNum type="arabicPeriod"/>
+            </a:pPr>
+            <a:r>
+              <a:rPr lang="en-US" dirty="0"/>
+              <a:t>Zero or more photos</a:t>
+            </a:r>
           </a:p>
         </p:txBody>
       </p:sp>
@@ -6809,7 +6882,7 @@
           <p:cNvPr id="4" name="Date Placeholder 3">
             <a:extLst>
               <a:ext uri="{FF2B5EF4-FFF2-40B4-BE49-F238E27FC236}">
-                <a16:creationId xmlns:a16="http://schemas.microsoft.com/office/drawing/2014/main" id="{C6B1D252-5692-6541-BEC0-9E59E9D2D810}"/>
+                <a16:creationId xmlns:a16="http://schemas.microsoft.com/office/drawing/2014/main" id="{A14D51DD-6406-F14D-BD9E-9B0D1A854CEC}"/>
               </a:ext>
             </a:extLst>
           </p:cNvPr>
@@ -6825,7 +6898,7 @@
           <a:bodyPr/>
           <a:lstStyle/>
           <a:p>
-            <a:fld id="{9BB6D07D-E1C9-2B41-A457-94C6C32379D9}" type="datetime1">
+            <a:fld id="{3BCFDBC8-42C0-694E-B168-9F2ACA3FA96F}" type="datetime1">
               <a:rPr lang="en-US" smtClean="0"/>
               <a:t>7/15/19</a:t>
             </a:fld>
@@ -6838,7 +6911,7 @@
           <p:cNvPr id="5" name="Slide Number Placeholder 4">
             <a:extLst>
               <a:ext uri="{FF2B5EF4-FFF2-40B4-BE49-F238E27FC236}">
-                <a16:creationId xmlns:a16="http://schemas.microsoft.com/office/drawing/2014/main" id="{4FECCC2E-7CD2-1748-BD43-007B01AE6C40}"/>
+                <a16:creationId xmlns:a16="http://schemas.microsoft.com/office/drawing/2014/main" id="{4873F538-2FDF-3346-8424-F2DECDDCA321}"/>
               </a:ext>
             </a:extLst>
           </p:cNvPr>
@@ -6865,7 +6938,7 @@
     </p:spTree>
     <p:extLst>
       <p:ext uri="{BB962C8B-B14F-4D97-AF65-F5344CB8AC3E}">
-        <p14:creationId xmlns:p14="http://schemas.microsoft.com/office/powerpoint/2010/main" val="179539820"/>
+        <p14:creationId xmlns:p14="http://schemas.microsoft.com/office/powerpoint/2010/main" val="3676169641"/>
       </p:ext>
     </p:extLst>
   </p:cSld>
@@ -7034,7 +7107,7 @@
           <a:bodyPr/>
           <a:lstStyle/>
           <a:p>
-            <a:fld id="{3BCFDBC8-42C0-694E-B168-9F2ACA3FA96F}" type="datetime1">
+            <a:fld id="{F179175F-6034-9644-AC7A-5BD26F5D420B}" type="datetime1">
               <a:rPr lang="en-US" smtClean="0"/>
               <a:t>7/15/19</a:t>
             </a:fld>
@@ -7074,7 +7147,7 @@
     </p:spTree>
     <p:extLst>
       <p:ext uri="{BB962C8B-B14F-4D97-AF65-F5344CB8AC3E}">
-        <p14:creationId xmlns:p14="http://schemas.microsoft.com/office/powerpoint/2010/main" val="3676169641"/>
+        <p14:creationId xmlns:p14="http://schemas.microsoft.com/office/powerpoint/2010/main" val="264653904"/>
       </p:ext>
     </p:extLst>
   </p:cSld>
@@ -7106,7 +7179,7 @@
           <p:cNvPr id="2" name="Title 1">
             <a:extLst>
               <a:ext uri="{FF2B5EF4-FFF2-40B4-BE49-F238E27FC236}">
-                <a16:creationId xmlns:a16="http://schemas.microsoft.com/office/drawing/2014/main" id="{8C12EE53-CB01-5D49-8701-D8EF61E33031}"/>
+                <a16:creationId xmlns:a16="http://schemas.microsoft.com/office/drawing/2014/main" id="{847E01AC-81E2-DE42-B938-DA05DA7E0785}"/>
               </a:ext>
             </a:extLst>
           </p:cNvPr>
@@ -7131,103 +7204,10 @@
       </p:sp>
       <p:sp>
         <p:nvSpPr>
-          <p:cNvPr id="3" name="Content Placeholder 2">
-            <a:extLst>
-              <a:ext uri="{FF2B5EF4-FFF2-40B4-BE49-F238E27FC236}">
-                <a16:creationId xmlns:a16="http://schemas.microsoft.com/office/drawing/2014/main" id="{A01635F4-E96B-FF41-8997-F4A72B94EBB2}"/>
-              </a:ext>
-            </a:extLst>
-          </p:cNvPr>
-          <p:cNvSpPr>
-            <a:spLocks noGrp="1"/>
-          </p:cNvSpPr>
-          <p:nvPr>
-            <p:ph idx="1"/>
-          </p:nvPr>
-        </p:nvSpPr>
-        <p:spPr>
-          <a:xfrm>
-            <a:off x="838200" y="1825625"/>
-            <a:ext cx="10515600" cy="4351338"/>
-          </a:xfrm>
-        </p:spPr>
-        <p:txBody>
-          <a:bodyPr/>
-          <a:lstStyle/>
-          <a:p>
-            <a:r>
-              <a:rPr lang="en-US" dirty="0"/>
-              <a:t>A Facebook user has:</a:t>
-            </a:r>
-          </a:p>
-          <a:p>
-            <a:pPr marL="914400" lvl="1" indent="-457200">
-              <a:buFont typeface="+mj-lt"/>
-              <a:buAutoNum type="arabicPeriod"/>
-            </a:pPr>
-            <a:r>
-              <a:rPr lang="en-US" dirty="0"/>
-              <a:t>Email</a:t>
-            </a:r>
-          </a:p>
-          <a:p>
-            <a:pPr marL="914400" lvl="1" indent="-457200">
-              <a:buFont typeface="+mj-lt"/>
-              <a:buAutoNum type="arabicPeriod"/>
-            </a:pPr>
-            <a:r>
-              <a:rPr lang="en-US" dirty="0"/>
-              <a:t>Password</a:t>
-            </a:r>
-          </a:p>
-          <a:p>
-            <a:pPr marL="914400" lvl="1" indent="-457200">
-              <a:buFont typeface="+mj-lt"/>
-              <a:buAutoNum type="arabicPeriod"/>
-            </a:pPr>
-            <a:r>
-              <a:rPr lang="en-US" dirty="0"/>
-              <a:t>First name</a:t>
-            </a:r>
-          </a:p>
-          <a:p>
-            <a:pPr marL="914400" lvl="1" indent="-457200">
-              <a:buFont typeface="+mj-lt"/>
-              <a:buAutoNum type="arabicPeriod"/>
-            </a:pPr>
-            <a:r>
-              <a:rPr lang="en-US" dirty="0"/>
-              <a:t>Last name</a:t>
-            </a:r>
-          </a:p>
-          <a:p>
-            <a:pPr marL="914400" lvl="1" indent="-457200">
-              <a:buFont typeface="+mj-lt"/>
-              <a:buAutoNum type="arabicPeriod"/>
-            </a:pPr>
-            <a:r>
-              <a:rPr lang="en-US" dirty="0"/>
-              <a:t>Zero or more posts</a:t>
-            </a:r>
-          </a:p>
-          <a:p>
-            <a:pPr marL="914400" lvl="1" indent="-457200">
-              <a:buFont typeface="+mj-lt"/>
-              <a:buAutoNum type="arabicPeriod"/>
-            </a:pPr>
-            <a:r>
-              <a:rPr lang="en-US" dirty="0"/>
-              <a:t>Zero or more photos</a:t>
-            </a:r>
-          </a:p>
-        </p:txBody>
-      </p:sp>
-      <p:sp>
-        <p:nvSpPr>
           <p:cNvPr id="4" name="Date Placeholder 3">
             <a:extLst>
               <a:ext uri="{FF2B5EF4-FFF2-40B4-BE49-F238E27FC236}">
-                <a16:creationId xmlns:a16="http://schemas.microsoft.com/office/drawing/2014/main" id="{A14D51DD-6406-F14D-BD9E-9B0D1A854CEC}"/>
+                <a16:creationId xmlns:a16="http://schemas.microsoft.com/office/drawing/2014/main" id="{857DFAA8-D087-E941-A5CA-60DBD9FA5F54}"/>
               </a:ext>
             </a:extLst>
           </p:cNvPr>
@@ -7243,7 +7223,7 @@
           <a:bodyPr/>
           <a:lstStyle/>
           <a:p>
-            <a:fld id="{F179175F-6034-9644-AC7A-5BD26F5D420B}" type="datetime1">
+            <a:fld id="{A684783B-B01E-714B-B120-7BE1BF4001F6}" type="datetime1">
               <a:rPr lang="en-US" smtClean="0"/>
               <a:t>7/15/19</a:t>
             </a:fld>
@@ -7256,7 +7236,7 @@
           <p:cNvPr id="5" name="Slide Number Placeholder 4">
             <a:extLst>
               <a:ext uri="{FF2B5EF4-FFF2-40B4-BE49-F238E27FC236}">
-                <a16:creationId xmlns:a16="http://schemas.microsoft.com/office/drawing/2014/main" id="{4873F538-2FDF-3346-8424-F2DECDDCA321}"/>
+                <a16:creationId xmlns:a16="http://schemas.microsoft.com/office/drawing/2014/main" id="{521E5495-1714-A74E-B2E7-4C2084124897}"/>
               </a:ext>
             </a:extLst>
           </p:cNvPr>
@@ -7280,10 +7260,143 @@
           </a:p>
         </p:txBody>
       </p:sp>
+      <p:sp>
+        <p:nvSpPr>
+          <p:cNvPr id="6" name="Rectangle 5">
+            <a:extLst>
+              <a:ext uri="{FF2B5EF4-FFF2-40B4-BE49-F238E27FC236}">
+                <a16:creationId xmlns:a16="http://schemas.microsoft.com/office/drawing/2014/main" id="{E0533D8B-606E-E941-BCE4-6C7BC4F71CCD}"/>
+              </a:ext>
+            </a:extLst>
+          </p:cNvPr>
+          <p:cNvSpPr/>
+          <p:nvPr/>
+        </p:nvSpPr>
+        <p:spPr>
+          <a:xfrm>
+            <a:off x="2487889" y="2420332"/>
+            <a:ext cx="3092778" cy="2773837"/>
+          </a:xfrm>
+          <a:prstGeom prst="rect">
+            <a:avLst/>
+          </a:prstGeom>
+        </p:spPr>
+        <p:style>
+          <a:lnRef idx="2">
+            <a:schemeClr val="dk1"/>
+          </a:lnRef>
+          <a:fillRef idx="1">
+            <a:schemeClr val="lt1"/>
+          </a:fillRef>
+          <a:effectRef idx="0">
+            <a:schemeClr val="dk1"/>
+          </a:effectRef>
+          <a:fontRef idx="minor">
+            <a:schemeClr val="dk1"/>
+          </a:fontRef>
+        </p:style>
+        <p:txBody>
+          <a:bodyPr rtlCol="0" anchor="t" anchorCtr="0"/>
+          <a:lstStyle/>
+          <a:p>
+            <a:pPr algn="ctr"/>
+            <a:r>
+              <a:rPr lang="en-US" sz="2000" u="sng" dirty="0"/>
+              <a:t>User</a:t>
+            </a:r>
+          </a:p>
+          <a:p>
+            <a:pPr algn="ctr"/>
+            <a:endParaRPr lang="en-US" u="sng" dirty="0"/>
+          </a:p>
+          <a:p>
+            <a:pPr marL="285750" indent="-285750">
+              <a:buFont typeface="Arial" panose="020B0604020202020204" pitchFamily="34" charset="0"/>
+              <a:buChar char="•"/>
+            </a:pPr>
+            <a:r>
+              <a:rPr lang="en-US" sz="2000" dirty="0"/>
+              <a:t>email: </a:t>
+            </a:r>
+            <a:r>
+              <a:rPr lang="en-US" sz="2000" i="1" dirty="0" err="1"/>
+              <a:t>str</a:t>
+            </a:r>
+            <a:endParaRPr lang="en-US" sz="2000" i="1" dirty="0"/>
+          </a:p>
+          <a:p>
+            <a:pPr marL="285750" indent="-285750">
+              <a:buFont typeface="Arial" panose="020B0604020202020204" pitchFamily="34" charset="0"/>
+              <a:buChar char="•"/>
+            </a:pPr>
+            <a:r>
+              <a:rPr lang="en-US" sz="2000" dirty="0"/>
+              <a:t>password: </a:t>
+            </a:r>
+            <a:r>
+              <a:rPr lang="en-US" sz="2000" i="1" dirty="0" err="1"/>
+              <a:t>str</a:t>
+            </a:r>
+            <a:endParaRPr lang="en-US" sz="2000" i="1" dirty="0"/>
+          </a:p>
+          <a:p>
+            <a:pPr marL="285750" indent="-285750">
+              <a:buFont typeface="Arial" panose="020B0604020202020204" pitchFamily="34" charset="0"/>
+              <a:buChar char="•"/>
+            </a:pPr>
+            <a:r>
+              <a:rPr lang="en-US" sz="2000" dirty="0" err="1"/>
+              <a:t>first_name</a:t>
+            </a:r>
+            <a:r>
+              <a:rPr lang="en-US" sz="2000" dirty="0"/>
+              <a:t>: </a:t>
+            </a:r>
+            <a:r>
+              <a:rPr lang="en-US" sz="2000" i="1" dirty="0" err="1"/>
+              <a:t>str</a:t>
+            </a:r>
+            <a:endParaRPr lang="en-US" sz="2000" i="1" dirty="0"/>
+          </a:p>
+          <a:p>
+            <a:pPr marL="285750" indent="-285750">
+              <a:buFont typeface="Arial" panose="020B0604020202020204" pitchFamily="34" charset="0"/>
+              <a:buChar char="•"/>
+            </a:pPr>
+            <a:r>
+              <a:rPr lang="en-US" sz="2000" dirty="0" err="1"/>
+              <a:t>last_name</a:t>
+            </a:r>
+            <a:r>
+              <a:rPr lang="en-US" sz="2000" dirty="0"/>
+              <a:t>: </a:t>
+            </a:r>
+            <a:r>
+              <a:rPr lang="en-US" sz="2000" i="1" dirty="0" err="1"/>
+              <a:t>str</a:t>
+            </a:r>
+            <a:endParaRPr lang="en-US" sz="2000" i="1" dirty="0"/>
+          </a:p>
+          <a:p>
+            <a:pPr marL="285750" indent="-285750">
+              <a:buFont typeface="Arial" panose="020B0604020202020204" pitchFamily="34" charset="0"/>
+              <a:buChar char="•"/>
+            </a:pPr>
+            <a:r>
+              <a:rPr lang="en-US" sz="2000" dirty="0"/>
+              <a:t>photos: </a:t>
+            </a:r>
+            <a:r>
+              <a:rPr lang="en-US" sz="2000" i="1" dirty="0"/>
+              <a:t>Photo</a:t>
+            </a:r>
+          </a:p>
+        </p:txBody>
+      </p:sp>
     </p:spTree>
     <p:extLst>
       <p:ext uri="{BB962C8B-B14F-4D97-AF65-F5344CB8AC3E}">
-        <p14:creationId xmlns:p14="http://schemas.microsoft.com/office/powerpoint/2010/main" val="264653904"/>
+        <p14:creationId xmlns:p14="http://schemas.microsoft.com/office/powerpoint/2010/main" val="104604186"/>
       </p:ext>
     </p:extLst>
   </p:cSld>
@@ -7529,10 +7642,128 @@
           </a:p>
         </p:txBody>
       </p:sp>
+      <p:sp>
+        <p:nvSpPr>
+          <p:cNvPr id="7" name="Rectangle 6">
+            <a:extLst>
+              <a:ext uri="{FF2B5EF4-FFF2-40B4-BE49-F238E27FC236}">
+                <a16:creationId xmlns:a16="http://schemas.microsoft.com/office/drawing/2014/main" id="{EB06B5F8-0520-3F45-B434-23E907A282F5}"/>
+              </a:ext>
+            </a:extLst>
+          </p:cNvPr>
+          <p:cNvSpPr/>
+          <p:nvPr/>
+        </p:nvSpPr>
+        <p:spPr>
+          <a:xfrm>
+            <a:off x="6396869" y="2420332"/>
+            <a:ext cx="3092779" cy="2773837"/>
+          </a:xfrm>
+          <a:prstGeom prst="rect">
+            <a:avLst/>
+          </a:prstGeom>
+        </p:spPr>
+        <p:style>
+          <a:lnRef idx="2">
+            <a:schemeClr val="dk1"/>
+          </a:lnRef>
+          <a:fillRef idx="1">
+            <a:schemeClr val="lt1"/>
+          </a:fillRef>
+          <a:effectRef idx="0">
+            <a:schemeClr val="dk1"/>
+          </a:effectRef>
+          <a:fontRef idx="minor">
+            <a:schemeClr val="dk1"/>
+          </a:fontRef>
+        </p:style>
+        <p:txBody>
+          <a:bodyPr rtlCol="0" anchor="t" anchorCtr="0"/>
+          <a:lstStyle/>
+          <a:p>
+            <a:pPr algn="ctr"/>
+            <a:r>
+              <a:rPr lang="en-US" sz="2000" u="sng" dirty="0"/>
+              <a:t>Photo</a:t>
+            </a:r>
+            <a:endParaRPr lang="en-US" u="sng" dirty="0"/>
+          </a:p>
+          <a:p>
+            <a:pPr marL="285750" indent="-285750">
+              <a:buFont typeface="Arial" panose="020B0604020202020204" pitchFamily="34" charset="0"/>
+              <a:buChar char="•"/>
+            </a:pPr>
+            <a:endParaRPr lang="en-US" dirty="0"/>
+          </a:p>
+          <a:p>
+            <a:pPr marL="285750" indent="-285750">
+              <a:buFont typeface="Arial" panose="020B0604020202020204" pitchFamily="34" charset="0"/>
+              <a:buChar char="•"/>
+            </a:pPr>
+            <a:r>
+              <a:rPr lang="en-US" sz="2000" dirty="0"/>
+              <a:t>user: </a:t>
+            </a:r>
+            <a:r>
+              <a:rPr lang="en-US" sz="2000" i="1" dirty="0"/>
+              <a:t>User</a:t>
+            </a:r>
+            <a:endParaRPr lang="en-US" sz="2000" dirty="0"/>
+          </a:p>
+          <a:p>
+            <a:pPr marL="285750" indent="-285750">
+              <a:buFont typeface="Arial" panose="020B0604020202020204" pitchFamily="34" charset="0"/>
+              <a:buChar char="•"/>
+            </a:pPr>
+            <a:r>
+              <a:rPr lang="en-US" sz="2000" dirty="0"/>
+              <a:t>date: </a:t>
+            </a:r>
+            <a:r>
+              <a:rPr lang="en-US" sz="2000" i="1" dirty="0" err="1"/>
+              <a:t>str</a:t>
+            </a:r>
+            <a:endParaRPr lang="en-US" sz="2000" i="1" dirty="0"/>
+          </a:p>
+          <a:p>
+            <a:pPr marL="285750" indent="-285750">
+              <a:buFont typeface="Arial" panose="020B0604020202020204" pitchFamily="34" charset="0"/>
+              <a:buChar char="•"/>
+            </a:pPr>
+            <a:r>
+              <a:rPr lang="en-US" sz="2000" dirty="0" err="1"/>
+              <a:t>url</a:t>
+            </a:r>
+            <a:r>
+              <a:rPr lang="en-US" sz="2000" dirty="0"/>
+              <a:t>: </a:t>
+            </a:r>
+            <a:r>
+              <a:rPr lang="en-US" sz="2000" i="1" dirty="0" err="1"/>
+              <a:t>str</a:t>
+            </a:r>
+            <a:endParaRPr lang="en-US" sz="2000" i="1" dirty="0"/>
+          </a:p>
+          <a:p>
+            <a:pPr marL="285750" indent="-285750">
+              <a:buFont typeface="Arial" panose="020B0604020202020204" pitchFamily="34" charset="0"/>
+              <a:buChar char="•"/>
+            </a:pPr>
+            <a:r>
+              <a:rPr lang="en-US" sz="2000" dirty="0"/>
+              <a:t>size: </a:t>
+            </a:r>
+            <a:r>
+              <a:rPr lang="en-US" sz="2000" i="1" dirty="0"/>
+              <a:t>float</a:t>
+            </a:r>
+          </a:p>
+        </p:txBody>
+      </p:sp>
     </p:spTree>
     <p:extLst>
       <p:ext uri="{BB962C8B-B14F-4D97-AF65-F5344CB8AC3E}">
-        <p14:creationId xmlns:p14="http://schemas.microsoft.com/office/powerpoint/2010/main" val="104604186"/>
+        <p14:creationId xmlns:p14="http://schemas.microsoft.com/office/powerpoint/2010/main" val="2540447131"/>
       </p:ext>
     </p:extLst>
   </p:cSld>
@@ -7564,7 +7795,7 @@
           <p:cNvPr id="2" name="Title 1">
             <a:extLst>
               <a:ext uri="{FF2B5EF4-FFF2-40B4-BE49-F238E27FC236}">
-                <a16:creationId xmlns:a16="http://schemas.microsoft.com/office/drawing/2014/main" id="{847E01AC-81E2-DE42-B938-DA05DA7E0785}"/>
+                <a16:creationId xmlns:a16="http://schemas.microsoft.com/office/drawing/2014/main" id="{E51A2A27-1959-0D40-AA0F-1CD565609BD1}"/>
               </a:ext>
             </a:extLst>
           </p:cNvPr>
@@ -7582,8 +7813,33 @@
           <a:p>
             <a:r>
               <a:rPr lang="en-US" dirty="0"/>
-              <a:t>Example: Facebook User</a:t>
-            </a:r>
+              <a:t>Session 4: The Python Standard Library</a:t>
+            </a:r>
+          </a:p>
+        </p:txBody>
+      </p:sp>
+      <p:sp>
+        <p:nvSpPr>
+          <p:cNvPr id="3" name="Text Placeholder 2">
+            <a:extLst>
+              <a:ext uri="{FF2B5EF4-FFF2-40B4-BE49-F238E27FC236}">
+                <a16:creationId xmlns:a16="http://schemas.microsoft.com/office/drawing/2014/main" id="{9B81E97A-87D2-F141-970A-9774912C4386}"/>
+              </a:ext>
+            </a:extLst>
+          </p:cNvPr>
+          <p:cNvSpPr>
+            <a:spLocks noGrp="1"/>
+          </p:cNvSpPr>
+          <p:nvPr>
+            <p:ph type="body" idx="1"/>
+          </p:nvPr>
+        </p:nvSpPr>
+        <p:spPr/>
+        <p:txBody>
+          <a:bodyPr/>
+          <a:lstStyle/>
+          <a:p>
+            <a:endParaRPr lang="en-US"/>
           </a:p>
         </p:txBody>
       </p:sp>
@@ -7592,7 +7848,7 @@
           <p:cNvPr id="4" name="Date Placeholder 3">
             <a:extLst>
               <a:ext uri="{FF2B5EF4-FFF2-40B4-BE49-F238E27FC236}">
-                <a16:creationId xmlns:a16="http://schemas.microsoft.com/office/drawing/2014/main" id="{857DFAA8-D087-E941-A5CA-60DBD9FA5F54}"/>
+                <a16:creationId xmlns:a16="http://schemas.microsoft.com/office/drawing/2014/main" id="{C6B1D252-5692-6541-BEC0-9E59E9D2D810}"/>
               </a:ext>
             </a:extLst>
           </p:cNvPr>
@@ -7608,7 +7864,7 @@
           <a:bodyPr/>
           <a:lstStyle/>
           <a:p>
-            <a:fld id="{A684783B-B01E-714B-B120-7BE1BF4001F6}" type="datetime1">
+            <a:fld id="{04CC1E5C-27F3-014A-9F83-4FA72A35A668}" type="datetime1">
               <a:rPr lang="en-US" smtClean="0"/>
               <a:t>7/15/19</a:t>
             </a:fld>
@@ -7621,7 +7877,7 @@
           <p:cNvPr id="5" name="Slide Number Placeholder 4">
             <a:extLst>
               <a:ext uri="{FF2B5EF4-FFF2-40B4-BE49-F238E27FC236}">
-                <a16:creationId xmlns:a16="http://schemas.microsoft.com/office/drawing/2014/main" id="{521E5495-1714-A74E-B2E7-4C2084124897}"/>
+                <a16:creationId xmlns:a16="http://schemas.microsoft.com/office/drawing/2014/main" id="{4FECCC2E-7CD2-1748-BD43-007B01AE6C40}"/>
               </a:ext>
             </a:extLst>
           </p:cNvPr>
@@ -7645,261 +7901,10 @@
           </a:p>
         </p:txBody>
       </p:sp>
-      <p:sp>
-        <p:nvSpPr>
-          <p:cNvPr id="6" name="Rectangle 5">
-            <a:extLst>
-              <a:ext uri="{FF2B5EF4-FFF2-40B4-BE49-F238E27FC236}">
-                <a16:creationId xmlns:a16="http://schemas.microsoft.com/office/drawing/2014/main" id="{E0533D8B-606E-E941-BCE4-6C7BC4F71CCD}"/>
-              </a:ext>
-            </a:extLst>
-          </p:cNvPr>
-          <p:cNvSpPr/>
-          <p:nvPr/>
-        </p:nvSpPr>
-        <p:spPr>
-          <a:xfrm>
-            <a:off x="2487889" y="2420332"/>
-            <a:ext cx="3092778" cy="2773837"/>
-          </a:xfrm>
-          <a:prstGeom prst="rect">
-            <a:avLst/>
-          </a:prstGeom>
-        </p:spPr>
-        <p:style>
-          <a:lnRef idx="2">
-            <a:schemeClr val="dk1"/>
-          </a:lnRef>
-          <a:fillRef idx="1">
-            <a:schemeClr val="lt1"/>
-          </a:fillRef>
-          <a:effectRef idx="0">
-            <a:schemeClr val="dk1"/>
-          </a:effectRef>
-          <a:fontRef idx="minor">
-            <a:schemeClr val="dk1"/>
-          </a:fontRef>
-        </p:style>
-        <p:txBody>
-          <a:bodyPr rtlCol="0" anchor="t" anchorCtr="0"/>
-          <a:lstStyle/>
-          <a:p>
-            <a:pPr algn="ctr"/>
-            <a:r>
-              <a:rPr lang="en-US" sz="2000" u="sng" dirty="0"/>
-              <a:t>User</a:t>
-            </a:r>
-          </a:p>
-          <a:p>
-            <a:pPr algn="ctr"/>
-            <a:endParaRPr lang="en-US" u="sng" dirty="0"/>
-          </a:p>
-          <a:p>
-            <a:pPr marL="285750" indent="-285750">
-              <a:buFont typeface="Arial" panose="020B0604020202020204" pitchFamily="34" charset="0"/>
-              <a:buChar char="•"/>
-            </a:pPr>
-            <a:r>
-              <a:rPr lang="en-US" sz="2000" dirty="0"/>
-              <a:t>email: </a:t>
-            </a:r>
-            <a:r>
-              <a:rPr lang="en-US" sz="2000" i="1" dirty="0" err="1"/>
-              <a:t>str</a:t>
-            </a:r>
-            <a:endParaRPr lang="en-US" sz="2000" i="1" dirty="0"/>
-          </a:p>
-          <a:p>
-            <a:pPr marL="285750" indent="-285750">
-              <a:buFont typeface="Arial" panose="020B0604020202020204" pitchFamily="34" charset="0"/>
-              <a:buChar char="•"/>
-            </a:pPr>
-            <a:r>
-              <a:rPr lang="en-US" sz="2000" dirty="0"/>
-              <a:t>password: </a:t>
-            </a:r>
-            <a:r>
-              <a:rPr lang="en-US" sz="2000" i="1" dirty="0" err="1"/>
-              <a:t>str</a:t>
-            </a:r>
-            <a:endParaRPr lang="en-US" sz="2000" i="1" dirty="0"/>
-          </a:p>
-          <a:p>
-            <a:pPr marL="285750" indent="-285750">
-              <a:buFont typeface="Arial" panose="020B0604020202020204" pitchFamily="34" charset="0"/>
-              <a:buChar char="•"/>
-            </a:pPr>
-            <a:r>
-              <a:rPr lang="en-US" sz="2000" dirty="0" err="1"/>
-              <a:t>first_name</a:t>
-            </a:r>
-            <a:r>
-              <a:rPr lang="en-US" sz="2000" dirty="0"/>
-              <a:t>: </a:t>
-            </a:r>
-            <a:r>
-              <a:rPr lang="en-US" sz="2000" i="1" dirty="0" err="1"/>
-              <a:t>str</a:t>
-            </a:r>
-            <a:endParaRPr lang="en-US" sz="2000" i="1" dirty="0"/>
-          </a:p>
-          <a:p>
-            <a:pPr marL="285750" indent="-285750">
-              <a:buFont typeface="Arial" panose="020B0604020202020204" pitchFamily="34" charset="0"/>
-              <a:buChar char="•"/>
-            </a:pPr>
-            <a:r>
-              <a:rPr lang="en-US" sz="2000" dirty="0" err="1"/>
-              <a:t>last_name</a:t>
-            </a:r>
-            <a:r>
-              <a:rPr lang="en-US" sz="2000" dirty="0"/>
-              <a:t>: </a:t>
-            </a:r>
-            <a:r>
-              <a:rPr lang="en-US" sz="2000" i="1" dirty="0" err="1"/>
-              <a:t>str</a:t>
-            </a:r>
-            <a:endParaRPr lang="en-US" sz="2000" i="1" dirty="0"/>
-          </a:p>
-          <a:p>
-            <a:pPr marL="285750" indent="-285750">
-              <a:buFont typeface="Arial" panose="020B0604020202020204" pitchFamily="34" charset="0"/>
-              <a:buChar char="•"/>
-            </a:pPr>
-            <a:r>
-              <a:rPr lang="en-US" sz="2000" dirty="0"/>
-              <a:t>photos: </a:t>
-            </a:r>
-            <a:r>
-              <a:rPr lang="en-US" sz="2000" i="1" dirty="0"/>
-              <a:t>Photo</a:t>
-            </a:r>
-          </a:p>
-        </p:txBody>
-      </p:sp>
-      <p:sp>
-        <p:nvSpPr>
-          <p:cNvPr id="7" name="Rectangle 6">
-            <a:extLst>
-              <a:ext uri="{FF2B5EF4-FFF2-40B4-BE49-F238E27FC236}">
-                <a16:creationId xmlns:a16="http://schemas.microsoft.com/office/drawing/2014/main" id="{EB06B5F8-0520-3F45-B434-23E907A282F5}"/>
-              </a:ext>
-            </a:extLst>
-          </p:cNvPr>
-          <p:cNvSpPr/>
-          <p:nvPr/>
-        </p:nvSpPr>
-        <p:spPr>
-          <a:xfrm>
-            <a:off x="6396869" y="2420332"/>
-            <a:ext cx="3092779" cy="2773837"/>
-          </a:xfrm>
-          <a:prstGeom prst="rect">
-            <a:avLst/>
-          </a:prstGeom>
-        </p:spPr>
-        <p:style>
-          <a:lnRef idx="2">
-            <a:schemeClr val="dk1"/>
-          </a:lnRef>
-          <a:fillRef idx="1">
-            <a:schemeClr val="lt1"/>
-          </a:fillRef>
-          <a:effectRef idx="0">
-            <a:schemeClr val="dk1"/>
-          </a:effectRef>
-          <a:fontRef idx="minor">
-            <a:schemeClr val="dk1"/>
-          </a:fontRef>
-        </p:style>
-        <p:txBody>
-          <a:bodyPr rtlCol="0" anchor="t" anchorCtr="0"/>
-          <a:lstStyle/>
-          <a:p>
-            <a:pPr algn="ctr"/>
-            <a:r>
-              <a:rPr lang="en-US" sz="2000" u="sng" dirty="0"/>
-              <a:t>Photo</a:t>
-            </a:r>
-            <a:endParaRPr lang="en-US" u="sng" dirty="0"/>
-          </a:p>
-          <a:p>
-            <a:pPr marL="285750" indent="-285750">
-              <a:buFont typeface="Arial" panose="020B0604020202020204" pitchFamily="34" charset="0"/>
-              <a:buChar char="•"/>
-            </a:pPr>
-            <a:endParaRPr lang="en-US" dirty="0"/>
-          </a:p>
-          <a:p>
-            <a:pPr marL="285750" indent="-285750">
-              <a:buFont typeface="Arial" panose="020B0604020202020204" pitchFamily="34" charset="0"/>
-              <a:buChar char="•"/>
-            </a:pPr>
-            <a:r>
-              <a:rPr lang="en-US" sz="2000" dirty="0"/>
-              <a:t>user: </a:t>
-            </a:r>
-            <a:r>
-              <a:rPr lang="en-US" sz="2000" i="1" dirty="0"/>
-              <a:t>User</a:t>
-            </a:r>
-            <a:endParaRPr lang="en-US" sz="2000" dirty="0"/>
-          </a:p>
-          <a:p>
-            <a:pPr marL="285750" indent="-285750">
-              <a:buFont typeface="Arial" panose="020B0604020202020204" pitchFamily="34" charset="0"/>
-              <a:buChar char="•"/>
-            </a:pPr>
-            <a:r>
-              <a:rPr lang="en-US" sz="2000" dirty="0"/>
-              <a:t>date: </a:t>
-            </a:r>
-            <a:r>
-              <a:rPr lang="en-US" sz="2000" i="1" dirty="0" err="1"/>
-              <a:t>str</a:t>
-            </a:r>
-            <a:endParaRPr lang="en-US" sz="2000" i="1" dirty="0"/>
-          </a:p>
-          <a:p>
-            <a:pPr marL="285750" indent="-285750">
-              <a:buFont typeface="Arial" panose="020B0604020202020204" pitchFamily="34" charset="0"/>
-              <a:buChar char="•"/>
-            </a:pPr>
-            <a:r>
-              <a:rPr lang="en-US" sz="2000" dirty="0" err="1"/>
-              <a:t>url</a:t>
-            </a:r>
-            <a:r>
-              <a:rPr lang="en-US" sz="2000" dirty="0"/>
-              <a:t>: </a:t>
-            </a:r>
-            <a:r>
-              <a:rPr lang="en-US" sz="2000" i="1" dirty="0" err="1"/>
-              <a:t>str</a:t>
-            </a:r>
-            <a:endParaRPr lang="en-US" sz="2000" i="1" dirty="0"/>
-          </a:p>
-          <a:p>
-            <a:pPr marL="285750" indent="-285750">
-              <a:buFont typeface="Arial" panose="020B0604020202020204" pitchFamily="34" charset="0"/>
-              <a:buChar char="•"/>
-            </a:pPr>
-            <a:r>
-              <a:rPr lang="en-US" sz="2000" dirty="0"/>
-              <a:t>size: </a:t>
-            </a:r>
-            <a:r>
-              <a:rPr lang="en-US" sz="2000" i="1" dirty="0"/>
-              <a:t>float</a:t>
-            </a:r>
-          </a:p>
-        </p:txBody>
-      </p:sp>
     </p:spTree>
     <p:extLst>
       <p:ext uri="{BB962C8B-B14F-4D97-AF65-F5344CB8AC3E}">
-        <p14:creationId xmlns:p14="http://schemas.microsoft.com/office/powerpoint/2010/main" val="2540447131"/>
+        <p14:creationId xmlns:p14="http://schemas.microsoft.com/office/powerpoint/2010/main" val="1464036234"/>
       </p:ext>
     </p:extLst>
   </p:cSld>
@@ -8072,7 +8077,7 @@
           <p:cNvPr id="2" name="Title 1">
             <a:extLst>
               <a:ext uri="{FF2B5EF4-FFF2-40B4-BE49-F238E27FC236}">
-                <a16:creationId xmlns:a16="http://schemas.microsoft.com/office/drawing/2014/main" id="{E51A2A27-1959-0D40-AA0F-1CD565609BD1}"/>
+                <a16:creationId xmlns:a16="http://schemas.microsoft.com/office/drawing/2014/main" id="{8C12EE53-CB01-5D49-8701-D8EF61E33031}"/>
               </a:ext>
             </a:extLst>
           </p:cNvPr>
@@ -8088,27 +8093,24 @@
           <a:bodyPr/>
           <a:lstStyle/>
           <a:p>
-            <a:r>
-              <a:rPr lang="en-US" dirty="0"/>
-              <a:t>Session 4: The Python Standard Library</a:t>
-            </a:r>
-          </a:p>
-        </p:txBody>
-      </p:sp>
-      <p:sp>
-        <p:nvSpPr>
-          <p:cNvPr id="3" name="Text Placeholder 2">
-            <a:extLst>
-              <a:ext uri="{FF2B5EF4-FFF2-40B4-BE49-F238E27FC236}">
-                <a16:creationId xmlns:a16="http://schemas.microsoft.com/office/drawing/2014/main" id="{9B81E97A-87D2-F141-970A-9774912C4386}"/>
-              </a:ext>
-            </a:extLst>
-          </p:cNvPr>
-          <p:cNvSpPr>
-            <a:spLocks noGrp="1"/>
-          </p:cNvSpPr>
-          <p:nvPr>
-            <p:ph type="body" idx="1"/>
+            <a:endParaRPr lang="en-US"/>
+          </a:p>
+        </p:txBody>
+      </p:sp>
+      <p:sp>
+        <p:nvSpPr>
+          <p:cNvPr id="3" name="Content Placeholder 2">
+            <a:extLst>
+              <a:ext uri="{FF2B5EF4-FFF2-40B4-BE49-F238E27FC236}">
+                <a16:creationId xmlns:a16="http://schemas.microsoft.com/office/drawing/2014/main" id="{A01635F4-E96B-FF41-8997-F4A72B94EBB2}"/>
+              </a:ext>
+            </a:extLst>
+          </p:cNvPr>
+          <p:cNvSpPr>
+            <a:spLocks noGrp="1"/>
+          </p:cNvSpPr>
+          <p:nvPr>
+            <p:ph idx="1"/>
           </p:nvPr>
         </p:nvSpPr>
         <p:spPr/>
@@ -8125,7 +8127,7 @@
           <p:cNvPr id="4" name="Date Placeholder 3">
             <a:extLst>
               <a:ext uri="{FF2B5EF4-FFF2-40B4-BE49-F238E27FC236}">
-                <a16:creationId xmlns:a16="http://schemas.microsoft.com/office/drawing/2014/main" id="{C6B1D252-5692-6541-BEC0-9E59E9D2D810}"/>
+                <a16:creationId xmlns:a16="http://schemas.microsoft.com/office/drawing/2014/main" id="{A14D51DD-6406-F14D-BD9E-9B0D1A854CEC}"/>
               </a:ext>
             </a:extLst>
           </p:cNvPr>
@@ -8141,7 +8143,7 @@
           <a:bodyPr/>
           <a:lstStyle/>
           <a:p>
-            <a:fld id="{04CC1E5C-27F3-014A-9F83-4FA72A35A668}" type="datetime1">
+            <a:fld id="{BB231B22-16B4-7E4F-BA3B-533ACFCDE0F5}" type="datetime1">
               <a:rPr lang="en-US" smtClean="0"/>
               <a:t>7/15/19</a:t>
             </a:fld>
@@ -8154,7 +8156,7 @@
           <p:cNvPr id="5" name="Slide Number Placeholder 4">
             <a:extLst>
               <a:ext uri="{FF2B5EF4-FFF2-40B4-BE49-F238E27FC236}">
-                <a16:creationId xmlns:a16="http://schemas.microsoft.com/office/drawing/2014/main" id="{4FECCC2E-7CD2-1748-BD43-007B01AE6C40}"/>
+                <a16:creationId xmlns:a16="http://schemas.microsoft.com/office/drawing/2014/main" id="{4873F538-2FDF-3346-8424-F2DECDDCA321}"/>
               </a:ext>
             </a:extLst>
           </p:cNvPr>
@@ -8181,7 +8183,7 @@
     </p:spTree>
     <p:extLst>
       <p:ext uri="{BB962C8B-B14F-4D97-AF65-F5344CB8AC3E}">
-        <p14:creationId xmlns:p14="http://schemas.microsoft.com/office/powerpoint/2010/main" val="1464036234"/>
+        <p14:creationId xmlns:p14="http://schemas.microsoft.com/office/powerpoint/2010/main" val="3815302124"/>
       </p:ext>
     </p:extLst>
   </p:cSld>
@@ -8213,7 +8215,7 @@
           <p:cNvPr id="2" name="Title 1">
             <a:extLst>
               <a:ext uri="{FF2B5EF4-FFF2-40B4-BE49-F238E27FC236}">
-                <a16:creationId xmlns:a16="http://schemas.microsoft.com/office/drawing/2014/main" id="{8C12EE53-CB01-5D49-8701-D8EF61E33031}"/>
+                <a16:creationId xmlns:a16="http://schemas.microsoft.com/office/drawing/2014/main" id="{E51A2A27-1959-0D40-AA0F-1CD565609BD1}"/>
               </a:ext>
             </a:extLst>
           </p:cNvPr>
@@ -8229,24 +8231,27 @@
           <a:bodyPr/>
           <a:lstStyle/>
           <a:p>
-            <a:endParaRPr lang="en-US"/>
-          </a:p>
-        </p:txBody>
-      </p:sp>
-      <p:sp>
-        <p:nvSpPr>
-          <p:cNvPr id="3" name="Content Placeholder 2">
-            <a:extLst>
-              <a:ext uri="{FF2B5EF4-FFF2-40B4-BE49-F238E27FC236}">
-                <a16:creationId xmlns:a16="http://schemas.microsoft.com/office/drawing/2014/main" id="{A01635F4-E96B-FF41-8997-F4A72B94EBB2}"/>
-              </a:ext>
-            </a:extLst>
-          </p:cNvPr>
-          <p:cNvSpPr>
-            <a:spLocks noGrp="1"/>
-          </p:cNvSpPr>
-          <p:nvPr>
-            <p:ph idx="1"/>
+            <a:r>
+              <a:rPr lang="en-US" dirty="0"/>
+              <a:t>Session 5: Using Python Packages</a:t>
+            </a:r>
+          </a:p>
+        </p:txBody>
+      </p:sp>
+      <p:sp>
+        <p:nvSpPr>
+          <p:cNvPr id="3" name="Text Placeholder 2">
+            <a:extLst>
+              <a:ext uri="{FF2B5EF4-FFF2-40B4-BE49-F238E27FC236}">
+                <a16:creationId xmlns:a16="http://schemas.microsoft.com/office/drawing/2014/main" id="{9B81E97A-87D2-F141-970A-9774912C4386}"/>
+              </a:ext>
+            </a:extLst>
+          </p:cNvPr>
+          <p:cNvSpPr>
+            <a:spLocks noGrp="1"/>
+          </p:cNvSpPr>
+          <p:nvPr>
+            <p:ph type="body" idx="1"/>
           </p:nvPr>
         </p:nvSpPr>
         <p:spPr/>
@@ -8263,7 +8268,7 @@
           <p:cNvPr id="4" name="Date Placeholder 3">
             <a:extLst>
               <a:ext uri="{FF2B5EF4-FFF2-40B4-BE49-F238E27FC236}">
-                <a16:creationId xmlns:a16="http://schemas.microsoft.com/office/drawing/2014/main" id="{A14D51DD-6406-F14D-BD9E-9B0D1A854CEC}"/>
+                <a16:creationId xmlns:a16="http://schemas.microsoft.com/office/drawing/2014/main" id="{C6B1D252-5692-6541-BEC0-9E59E9D2D810}"/>
               </a:ext>
             </a:extLst>
           </p:cNvPr>
@@ -8279,7 +8284,7 @@
           <a:bodyPr/>
           <a:lstStyle/>
           <a:p>
-            <a:fld id="{BB231B22-16B4-7E4F-BA3B-533ACFCDE0F5}" type="datetime1">
+            <a:fld id="{C0E6293C-6317-984A-8C60-59113F7D7E6A}" type="datetime1">
               <a:rPr lang="en-US" smtClean="0"/>
               <a:t>7/15/19</a:t>
             </a:fld>
@@ -8292,7 +8297,7 @@
           <p:cNvPr id="5" name="Slide Number Placeholder 4">
             <a:extLst>
               <a:ext uri="{FF2B5EF4-FFF2-40B4-BE49-F238E27FC236}">
-                <a16:creationId xmlns:a16="http://schemas.microsoft.com/office/drawing/2014/main" id="{4873F538-2FDF-3346-8424-F2DECDDCA321}"/>
+                <a16:creationId xmlns:a16="http://schemas.microsoft.com/office/drawing/2014/main" id="{4FECCC2E-7CD2-1748-BD43-007B01AE6C40}"/>
               </a:ext>
             </a:extLst>
           </p:cNvPr>
@@ -8319,7 +8324,7 @@
     </p:spTree>
     <p:extLst>
       <p:ext uri="{BB962C8B-B14F-4D97-AF65-F5344CB8AC3E}">
-        <p14:creationId xmlns:p14="http://schemas.microsoft.com/office/powerpoint/2010/main" val="3815302124"/>
+        <p14:creationId xmlns:p14="http://schemas.microsoft.com/office/powerpoint/2010/main" val="2749911750"/>
       </p:ext>
     </p:extLst>
   </p:cSld>
@@ -8351,7 +8356,7 @@
           <p:cNvPr id="2" name="Title 1">
             <a:extLst>
               <a:ext uri="{FF2B5EF4-FFF2-40B4-BE49-F238E27FC236}">
-                <a16:creationId xmlns:a16="http://schemas.microsoft.com/office/drawing/2014/main" id="{E51A2A27-1959-0D40-AA0F-1CD565609BD1}"/>
+                <a16:creationId xmlns:a16="http://schemas.microsoft.com/office/drawing/2014/main" id="{8C12EE53-CB01-5D49-8701-D8EF61E33031}"/>
               </a:ext>
             </a:extLst>
           </p:cNvPr>
@@ -8367,27 +8372,24 @@
           <a:bodyPr/>
           <a:lstStyle/>
           <a:p>
-            <a:r>
-              <a:rPr lang="en-US" dirty="0"/>
-              <a:t>Session 5: Using Python Packages</a:t>
-            </a:r>
-          </a:p>
-        </p:txBody>
-      </p:sp>
-      <p:sp>
-        <p:nvSpPr>
-          <p:cNvPr id="3" name="Text Placeholder 2">
-            <a:extLst>
-              <a:ext uri="{FF2B5EF4-FFF2-40B4-BE49-F238E27FC236}">
-                <a16:creationId xmlns:a16="http://schemas.microsoft.com/office/drawing/2014/main" id="{9B81E97A-87D2-F141-970A-9774912C4386}"/>
-              </a:ext>
-            </a:extLst>
-          </p:cNvPr>
-          <p:cNvSpPr>
-            <a:spLocks noGrp="1"/>
-          </p:cNvSpPr>
-          <p:nvPr>
-            <p:ph type="body" idx="1"/>
+            <a:endParaRPr lang="en-US"/>
+          </a:p>
+        </p:txBody>
+      </p:sp>
+      <p:sp>
+        <p:nvSpPr>
+          <p:cNvPr id="3" name="Content Placeholder 2">
+            <a:extLst>
+              <a:ext uri="{FF2B5EF4-FFF2-40B4-BE49-F238E27FC236}">
+                <a16:creationId xmlns:a16="http://schemas.microsoft.com/office/drawing/2014/main" id="{A01635F4-E96B-FF41-8997-F4A72B94EBB2}"/>
+              </a:ext>
+            </a:extLst>
+          </p:cNvPr>
+          <p:cNvSpPr>
+            <a:spLocks noGrp="1"/>
+          </p:cNvSpPr>
+          <p:nvPr>
+            <p:ph idx="1"/>
           </p:nvPr>
         </p:nvSpPr>
         <p:spPr/>
@@ -8404,7 +8406,7 @@
           <p:cNvPr id="4" name="Date Placeholder 3">
             <a:extLst>
               <a:ext uri="{FF2B5EF4-FFF2-40B4-BE49-F238E27FC236}">
-                <a16:creationId xmlns:a16="http://schemas.microsoft.com/office/drawing/2014/main" id="{C6B1D252-5692-6541-BEC0-9E59E9D2D810}"/>
+                <a16:creationId xmlns:a16="http://schemas.microsoft.com/office/drawing/2014/main" id="{A14D51DD-6406-F14D-BD9E-9B0D1A854CEC}"/>
               </a:ext>
             </a:extLst>
           </p:cNvPr>
@@ -8420,7 +8422,7 @@
           <a:bodyPr/>
           <a:lstStyle/>
           <a:p>
-            <a:fld id="{C0E6293C-6317-984A-8C60-59113F7D7E6A}" type="datetime1">
+            <a:fld id="{1C3A1DAD-42CC-0A4B-A842-A87562380272}" type="datetime1">
               <a:rPr lang="en-US" smtClean="0"/>
               <a:t>7/15/19</a:t>
             </a:fld>
@@ -8433,7 +8435,7 @@
           <p:cNvPr id="5" name="Slide Number Placeholder 4">
             <a:extLst>
               <a:ext uri="{FF2B5EF4-FFF2-40B4-BE49-F238E27FC236}">
-                <a16:creationId xmlns:a16="http://schemas.microsoft.com/office/drawing/2014/main" id="{4FECCC2E-7CD2-1748-BD43-007B01AE6C40}"/>
+                <a16:creationId xmlns:a16="http://schemas.microsoft.com/office/drawing/2014/main" id="{4873F538-2FDF-3346-8424-F2DECDDCA321}"/>
               </a:ext>
             </a:extLst>
           </p:cNvPr>
@@ -8460,7 +8462,7 @@
     </p:spTree>
     <p:extLst>
       <p:ext uri="{BB962C8B-B14F-4D97-AF65-F5344CB8AC3E}">
-        <p14:creationId xmlns:p14="http://schemas.microsoft.com/office/powerpoint/2010/main" val="2749911750"/>
+        <p14:creationId xmlns:p14="http://schemas.microsoft.com/office/powerpoint/2010/main" val="2596218525"/>
       </p:ext>
     </p:extLst>
   </p:cSld>
@@ -8492,7 +8494,7 @@
           <p:cNvPr id="2" name="Title 1">
             <a:extLst>
               <a:ext uri="{FF2B5EF4-FFF2-40B4-BE49-F238E27FC236}">
-                <a16:creationId xmlns:a16="http://schemas.microsoft.com/office/drawing/2014/main" id="{8C12EE53-CB01-5D49-8701-D8EF61E33031}"/>
+                <a16:creationId xmlns:a16="http://schemas.microsoft.com/office/drawing/2014/main" id="{E51A2A27-1959-0D40-AA0F-1CD565609BD1}"/>
               </a:ext>
             </a:extLst>
           </p:cNvPr>
@@ -8508,24 +8510,35 @@
           <a:bodyPr/>
           <a:lstStyle/>
           <a:p>
-            <a:endParaRPr lang="en-US"/>
-          </a:p>
-        </p:txBody>
-      </p:sp>
-      <p:sp>
-        <p:nvSpPr>
-          <p:cNvPr id="3" name="Content Placeholder 2">
-            <a:extLst>
-              <a:ext uri="{FF2B5EF4-FFF2-40B4-BE49-F238E27FC236}">
-                <a16:creationId xmlns:a16="http://schemas.microsoft.com/office/drawing/2014/main" id="{A01635F4-E96B-FF41-8997-F4A72B94EBB2}"/>
-              </a:ext>
-            </a:extLst>
-          </p:cNvPr>
-          <p:cNvSpPr>
-            <a:spLocks noGrp="1"/>
-          </p:cNvSpPr>
-          <p:nvPr>
-            <p:ph idx="1"/>
+            <a:r>
+              <a:rPr lang="en-US" dirty="0"/>
+              <a:t>Session 6: </a:t>
+            </a:r>
+            <a:r>
+              <a:rPr lang="en-US" dirty="0" err="1"/>
+              <a:t>Jupyter</a:t>
+            </a:r>
+            <a:r>
+              <a:rPr lang="en-US" dirty="0"/>
+              <a:t> Notebooks</a:t>
+            </a:r>
+          </a:p>
+        </p:txBody>
+      </p:sp>
+      <p:sp>
+        <p:nvSpPr>
+          <p:cNvPr id="3" name="Text Placeholder 2">
+            <a:extLst>
+              <a:ext uri="{FF2B5EF4-FFF2-40B4-BE49-F238E27FC236}">
+                <a16:creationId xmlns:a16="http://schemas.microsoft.com/office/drawing/2014/main" id="{9B81E97A-87D2-F141-970A-9774912C4386}"/>
+              </a:ext>
+            </a:extLst>
+          </p:cNvPr>
+          <p:cNvSpPr>
+            <a:spLocks noGrp="1"/>
+          </p:cNvSpPr>
+          <p:nvPr>
+            <p:ph type="body" idx="1"/>
           </p:nvPr>
         </p:nvSpPr>
         <p:spPr/>
@@ -8542,7 +8555,7 @@
           <p:cNvPr id="4" name="Date Placeholder 3">
             <a:extLst>
               <a:ext uri="{FF2B5EF4-FFF2-40B4-BE49-F238E27FC236}">
-                <a16:creationId xmlns:a16="http://schemas.microsoft.com/office/drawing/2014/main" id="{A14D51DD-6406-F14D-BD9E-9B0D1A854CEC}"/>
+                <a16:creationId xmlns:a16="http://schemas.microsoft.com/office/drawing/2014/main" id="{C6B1D252-5692-6541-BEC0-9E59E9D2D810}"/>
               </a:ext>
             </a:extLst>
           </p:cNvPr>
@@ -8558,7 +8571,7 @@
           <a:bodyPr/>
           <a:lstStyle/>
           <a:p>
-            <a:fld id="{1C3A1DAD-42CC-0A4B-A842-A87562380272}" type="datetime1">
+            <a:fld id="{E90C3A68-EEC5-9D47-AACF-F69E43F3AA0B}" type="datetime1">
               <a:rPr lang="en-US" smtClean="0"/>
               <a:t>7/15/19</a:t>
             </a:fld>
@@ -8571,7 +8584,7 @@
           <p:cNvPr id="5" name="Slide Number Placeholder 4">
             <a:extLst>
               <a:ext uri="{FF2B5EF4-FFF2-40B4-BE49-F238E27FC236}">
-                <a16:creationId xmlns:a16="http://schemas.microsoft.com/office/drawing/2014/main" id="{4873F538-2FDF-3346-8424-F2DECDDCA321}"/>
+                <a16:creationId xmlns:a16="http://schemas.microsoft.com/office/drawing/2014/main" id="{4FECCC2E-7CD2-1748-BD43-007B01AE6C40}"/>
               </a:ext>
             </a:extLst>
           </p:cNvPr>
@@ -8598,7 +8611,7 @@
     </p:spTree>
     <p:extLst>
       <p:ext uri="{BB962C8B-B14F-4D97-AF65-F5344CB8AC3E}">
-        <p14:creationId xmlns:p14="http://schemas.microsoft.com/office/powerpoint/2010/main" val="2596218525"/>
+        <p14:creationId xmlns:p14="http://schemas.microsoft.com/office/powerpoint/2010/main" val="1357957904"/>
       </p:ext>
     </p:extLst>
   </p:cSld>
@@ -8630,155 +8643,6 @@
           <p:cNvPr id="2" name="Title 1">
             <a:extLst>
               <a:ext uri="{FF2B5EF4-FFF2-40B4-BE49-F238E27FC236}">
-                <a16:creationId xmlns:a16="http://schemas.microsoft.com/office/drawing/2014/main" id="{E51A2A27-1959-0D40-AA0F-1CD565609BD1}"/>
-              </a:ext>
-            </a:extLst>
-          </p:cNvPr>
-          <p:cNvSpPr>
-            <a:spLocks noGrp="1"/>
-          </p:cNvSpPr>
-          <p:nvPr>
-            <p:ph type="title"/>
-          </p:nvPr>
-        </p:nvSpPr>
-        <p:spPr/>
-        <p:txBody>
-          <a:bodyPr/>
-          <a:lstStyle/>
-          <a:p>
-            <a:r>
-              <a:rPr lang="en-US" dirty="0"/>
-              <a:t>Session 6: </a:t>
-            </a:r>
-            <a:r>
-              <a:rPr lang="en-US" dirty="0" err="1"/>
-              <a:t>Jupyter</a:t>
-            </a:r>
-            <a:r>
-              <a:rPr lang="en-US" dirty="0"/>
-              <a:t> Notebooks</a:t>
-            </a:r>
-          </a:p>
-        </p:txBody>
-      </p:sp>
-      <p:sp>
-        <p:nvSpPr>
-          <p:cNvPr id="3" name="Text Placeholder 2">
-            <a:extLst>
-              <a:ext uri="{FF2B5EF4-FFF2-40B4-BE49-F238E27FC236}">
-                <a16:creationId xmlns:a16="http://schemas.microsoft.com/office/drawing/2014/main" id="{9B81E97A-87D2-F141-970A-9774912C4386}"/>
-              </a:ext>
-            </a:extLst>
-          </p:cNvPr>
-          <p:cNvSpPr>
-            <a:spLocks noGrp="1"/>
-          </p:cNvSpPr>
-          <p:nvPr>
-            <p:ph type="body" idx="1"/>
-          </p:nvPr>
-        </p:nvSpPr>
-        <p:spPr/>
-        <p:txBody>
-          <a:bodyPr/>
-          <a:lstStyle/>
-          <a:p>
-            <a:endParaRPr lang="en-US"/>
-          </a:p>
-        </p:txBody>
-      </p:sp>
-      <p:sp>
-        <p:nvSpPr>
-          <p:cNvPr id="4" name="Date Placeholder 3">
-            <a:extLst>
-              <a:ext uri="{FF2B5EF4-FFF2-40B4-BE49-F238E27FC236}">
-                <a16:creationId xmlns:a16="http://schemas.microsoft.com/office/drawing/2014/main" id="{C6B1D252-5692-6541-BEC0-9E59E9D2D810}"/>
-              </a:ext>
-            </a:extLst>
-          </p:cNvPr>
-          <p:cNvSpPr>
-            <a:spLocks noGrp="1"/>
-          </p:cNvSpPr>
-          <p:nvPr>
-            <p:ph type="dt" sz="half" idx="10"/>
-          </p:nvPr>
-        </p:nvSpPr>
-        <p:spPr/>
-        <p:txBody>
-          <a:bodyPr/>
-          <a:lstStyle/>
-          <a:p>
-            <a:fld id="{E90C3A68-EEC5-9D47-AACF-F69E43F3AA0B}" type="datetime1">
-              <a:rPr lang="en-US" smtClean="0"/>
-              <a:t>7/15/19</a:t>
-            </a:fld>
-            <a:endParaRPr lang="en-US"/>
-          </a:p>
-        </p:txBody>
-      </p:sp>
-      <p:sp>
-        <p:nvSpPr>
-          <p:cNvPr id="5" name="Slide Number Placeholder 4">
-            <a:extLst>
-              <a:ext uri="{FF2B5EF4-FFF2-40B4-BE49-F238E27FC236}">
-                <a16:creationId xmlns:a16="http://schemas.microsoft.com/office/drawing/2014/main" id="{4FECCC2E-7CD2-1748-BD43-007B01AE6C40}"/>
-              </a:ext>
-            </a:extLst>
-          </p:cNvPr>
-          <p:cNvSpPr>
-            <a:spLocks noGrp="1"/>
-          </p:cNvSpPr>
-          <p:nvPr>
-            <p:ph type="sldNum" sz="quarter" idx="12"/>
-          </p:nvPr>
-        </p:nvSpPr>
-        <p:spPr/>
-        <p:txBody>
-          <a:bodyPr/>
-          <a:lstStyle/>
-          <a:p>
-            <a:fld id="{D680A9F7-E5D2-C440-8737-6A510A75D463}" type="slidenum">
-              <a:rPr lang="en-US" smtClean="0"/>
-              <a:t>34</a:t>
-            </a:fld>
-            <a:endParaRPr lang="en-US"/>
-          </a:p>
-        </p:txBody>
-      </p:sp>
-    </p:spTree>
-    <p:extLst>
-      <p:ext uri="{BB962C8B-B14F-4D97-AF65-F5344CB8AC3E}">
-        <p14:creationId xmlns:p14="http://schemas.microsoft.com/office/powerpoint/2010/main" val="1357957904"/>
-      </p:ext>
-    </p:extLst>
-  </p:cSld>
-  <p:clrMapOvr>
-    <a:masterClrMapping/>
-  </p:clrMapOvr>
-</p:sld>
-</file>
-
-<file path=ppt/slides/slide35.xml><?xml version="1.0" encoding="utf-8"?>
-<p:sld xmlns:a="http://schemas.openxmlformats.org/drawingml/2006/main" xmlns:r="http://schemas.openxmlformats.org/officeDocument/2006/relationships" xmlns:p="http://schemas.openxmlformats.org/presentationml/2006/main">
-  <p:cSld>
-    <p:spTree>
-      <p:nvGrpSpPr>
-        <p:cNvPr id="1" name=""/>
-        <p:cNvGrpSpPr/>
-        <p:nvPr/>
-      </p:nvGrpSpPr>
-      <p:grpSpPr>
-        <a:xfrm>
-          <a:off x="0" y="0"/>
-          <a:ext cx="0" cy="0"/>
-          <a:chOff x="0" y="0"/>
-          <a:chExt cx="0" cy="0"/>
-        </a:xfrm>
-      </p:grpSpPr>
-      <p:sp>
-        <p:nvSpPr>
-          <p:cNvPr id="2" name="Title 1">
-            <a:extLst>
-              <a:ext uri="{FF2B5EF4-FFF2-40B4-BE49-F238E27FC236}">
                 <a16:creationId xmlns:a16="http://schemas.microsoft.com/office/drawing/2014/main" id="{8C12EE53-CB01-5D49-8701-D8EF61E33031}"/>
               </a:ext>
             </a:extLst>
@@ -8876,7 +8740,7 @@
           <a:p>
             <a:fld id="{D680A9F7-E5D2-C440-8737-6A510A75D463}" type="slidenum">
               <a:rPr lang="en-US" smtClean="0"/>
-              <a:t>35</a:t>
+              <a:t>34</a:t>
             </a:fld>
             <a:endParaRPr lang="en-US"/>
           </a:p>
